--- a/public/downloads/Anexo1.pptx
+++ b/public/downloads/Anexo1.pptx
@@ -250,8 +250,11 @@
     </a:lvl9pPr>
   </p:defaultTextStyle>
   <p:extLst>
+    <p:ext uri="{EFAFB233-063F-42B5-8137-9DF3F51BA10A}">
+      <p15:sldGuideLst xmlns:p15="http://schemas.microsoft.com/office/powerpoint/2012/main"/>
+    </p:ext>
     <p:ext uri="http://customooxmlschemas.google.com/">
-      <go:slidesCustomData xmlns:go="http://customooxmlschemas.google.com/" xmlns:ahyp="http://schemas.microsoft.com/office/drawing/2018/hyperlinkcolor" xmlns:p15="http://schemas.microsoft.com/office/powerpoint/2012/main" xmlns:p14="http://schemas.microsoft.com/office/powerpoint/2010/main" xmlns:com="http://schemas.openxmlformats.org/drawingml/2006/compatibility" xmlns:pvml="urn:schemas-microsoft-com:office:powerpoint" xmlns:v="urn:schemas-microsoft-com:vml" xmlns:o="urn:schemas-microsoft-com:office:office" xmlns:dgm="http://schemas.openxmlformats.org/drawingml/2006/diagram" xmlns:c="http://schemas.openxmlformats.org/drawingml/2006/chart" xmlns:mv="urn:schemas-microsoft-com:mac:vml" xmlns:mc="http://schemas.openxmlformats.org/markup-compatibility/2006" xmlns="" r:id="rId14" roundtripDataSignature="AMtx7mh5DUeP78YyhV4YiRXVDHolEfluuQ=="/>
+      <go:slidesCustomData xmlns="" xmlns:mc="http://schemas.openxmlformats.org/markup-compatibility/2006" xmlns:mv="urn:schemas-microsoft-com:mac:vml" xmlns:c="http://schemas.openxmlformats.org/drawingml/2006/chart" xmlns:dgm="http://schemas.openxmlformats.org/drawingml/2006/diagram" xmlns:o="urn:schemas-microsoft-com:office:office" xmlns:v="urn:schemas-microsoft-com:vml" xmlns:pvml="urn:schemas-microsoft-com:office:powerpoint" xmlns:com="http://schemas.openxmlformats.org/drawingml/2006/compatibility" xmlns:p14="http://schemas.microsoft.com/office/powerpoint/2010/main" xmlns:p15="http://schemas.microsoft.com/office/powerpoint/2012/main" xmlns:ahyp="http://schemas.microsoft.com/office/drawing/2018/hyperlinkcolor" xmlns:go="http://customooxmlschemas.google.com/" r:id="rId14" roundtripDataSignature="AMtx7mh5DUeP78YyhV4YiRXVDHolEfluuQ=="/>
     </p:ext>
   </p:extLst>
 </p:presentation>
@@ -16046,7 +16049,7 @@
                 <a:cs typeface="Calibri"/>
                 <a:sym typeface="Calibri"/>
               </a:rPr>
-              <a:t>3D modelado: interfaz compartida entre 2D y 3D, operaciones avanzadas de sólidos y creación de superficies, dibujo para métrico</a:t>
+              <a:t>3D modelado: interfaz compartida entre 2D y 3D, operaciones avanzadas de sólidos y creación de superficies, dibujo para métrico.</a:t>
             </a:r>
             <a:endParaRPr sz="1600" b="0" i="0" u="none" strike="noStrike" cap="none" dirty="0">
               <a:solidFill>
@@ -16293,7 +16296,7 @@
                 <a:cs typeface="Calibri"/>
                 <a:sym typeface="Calibri"/>
               </a:rPr>
-              <a:t>3D básico: Uso para dibujo 3d básico, solidos con operaciones de extruir, revolución barrido, operaciones booleanas, etc.</a:t>
+              <a:t>3D básico: uso para dibujo 3d básico, solidos con operaciones de extruir, revolución barrido, operaciones booleanas, etc.</a:t>
             </a:r>
             <a:endParaRPr sz="1600" b="0" i="0" u="none" strike="noStrike" cap="none" dirty="0">
               <a:solidFill>
@@ -16540,7 +16543,7 @@
                 <a:cs typeface="Calibri"/>
                 <a:sym typeface="Calibri"/>
               </a:rPr>
-              <a:t>Dibujo y anotación: Uso para dibujo 2d básico, funciones de cortar, matriz, círculos, cotas, etc.</a:t>
+              <a:t>Dibujo y anotación: uso para dibujo 2d básico, funciones de cortar, matriz, círculos, cotas, etc.</a:t>
             </a:r>
             <a:endParaRPr sz="1600" b="0" i="0" u="none" strike="noStrike" cap="none" dirty="0">
               <a:solidFill>
@@ -17131,7 +17134,7 @@
         <p:fade/>
       </p:transition>
     </mc:Choice>
-    <mc:Fallback xmlns:ahyp="http://schemas.microsoft.com/office/drawing/2018/hyperlinkcolor" xmlns:p15="http://schemas.microsoft.com/office/powerpoint/2012/main" xmlns:com="http://schemas.openxmlformats.org/drawingml/2006/compatibility" xmlns:pvml="urn:schemas-microsoft-com:office:powerpoint" xmlns:v="urn:schemas-microsoft-com:vml" xmlns:o="urn:schemas-microsoft-com:office:office" xmlns:dgm="http://schemas.openxmlformats.org/drawingml/2006/diagram" xmlns:c="http://schemas.openxmlformats.org/drawingml/2006/chart" xmlns:mv="urn:schemas-microsoft-com:mac:vml" xmlns="">
+    <mc:Fallback xmlns="" xmlns:mv="urn:schemas-microsoft-com:mac:vml" xmlns:c="http://schemas.openxmlformats.org/drawingml/2006/chart" xmlns:dgm="http://schemas.openxmlformats.org/drawingml/2006/diagram" xmlns:o="urn:schemas-microsoft-com:office:office" xmlns:v="urn:schemas-microsoft-com:vml" xmlns:pvml="urn:schemas-microsoft-com:office:powerpoint" xmlns:com="http://schemas.openxmlformats.org/drawingml/2006/compatibility" xmlns:p15="http://schemas.microsoft.com/office/powerpoint/2012/main" xmlns:ahyp="http://schemas.microsoft.com/office/drawing/2018/hyperlinkcolor">
       <p:transition spd="slow">
         <p:fade/>
       </p:transition>
@@ -21100,7 +21103,7 @@
         <p:fade/>
       </p:transition>
     </mc:Choice>
-    <mc:Fallback xmlns:ahyp="http://schemas.microsoft.com/office/drawing/2018/hyperlinkcolor" xmlns:p15="http://schemas.microsoft.com/office/powerpoint/2012/main" xmlns:com="http://schemas.openxmlformats.org/drawingml/2006/compatibility" xmlns:pvml="urn:schemas-microsoft-com:office:powerpoint" xmlns:v="urn:schemas-microsoft-com:vml" xmlns:o="urn:schemas-microsoft-com:office:office" xmlns:dgm="http://schemas.openxmlformats.org/drawingml/2006/diagram" xmlns:c="http://schemas.openxmlformats.org/drawingml/2006/chart" xmlns:mv="urn:schemas-microsoft-com:mac:vml" xmlns="">
+    <mc:Fallback xmlns="" xmlns:mv="urn:schemas-microsoft-com:mac:vml" xmlns:c="http://schemas.openxmlformats.org/drawingml/2006/chart" xmlns:dgm="http://schemas.openxmlformats.org/drawingml/2006/diagram" xmlns:o="urn:schemas-microsoft-com:office:office" xmlns:v="urn:schemas-microsoft-com:vml" xmlns:pvml="urn:schemas-microsoft-com:office:powerpoint" xmlns:com="http://schemas.openxmlformats.org/drawingml/2006/compatibility" xmlns:p15="http://schemas.microsoft.com/office/powerpoint/2012/main" xmlns:ahyp="http://schemas.microsoft.com/office/drawing/2018/hyperlinkcolor">
       <p:transition spd="slow">
         <p:fade/>
       </p:transition>
@@ -21969,7 +21972,7 @@
           <p:spPr>
             <a:xfrm>
               <a:off x="529200" y="2852607"/>
-              <a:ext cx="2007528" cy="1053912"/>
+              <a:ext cx="2008726" cy="1053912"/>
             </a:xfrm>
             <a:prstGeom prst="rect">
               <a:avLst/>
@@ -22014,7 +22017,69 @@
                   <a:cs typeface="Calibri"/>
                   <a:sym typeface="Calibri"/>
                 </a:rPr>
-                <a:t>Todo espacio de trabajo para dibujo y edición de modelos 2D y 3D.</a:t>
+                <a:t>Todo espacio de trabajo para dibujo </a:t>
+              </a:r>
+            </a:p>
+            <a:p>
+              <a:pPr marL="0" marR="0" lvl="0" indent="0" rtl="0">
+                <a:lnSpc>
+                  <a:spcPct val="100000"/>
+                </a:lnSpc>
+                <a:spcBef>
+                  <a:spcPts val="0"/>
+                </a:spcBef>
+                <a:spcAft>
+                  <a:spcPts val="0"/>
+                </a:spcAft>
+                <a:buClr>
+                  <a:srgbClr val="000000"/>
+                </a:buClr>
+                <a:buSzPts val="2133"/>
+                <a:buFont typeface="Arial"/>
+                <a:buNone/>
+              </a:pPr>
+              <a:r>
+                <a:rPr lang="es-ES" sz="2133" b="1" i="0" strike="noStrike" cap="none" dirty="0">
+                  <a:solidFill>
+                    <a:schemeClr val="dk1"/>
+                  </a:solidFill>
+                  <a:latin typeface="Calibri"/>
+                  <a:ea typeface="Calibri"/>
+                  <a:cs typeface="Calibri"/>
+                  <a:sym typeface="Calibri"/>
+                </a:rPr>
+                <a:t>y edición de </a:t>
+              </a:r>
+            </a:p>
+            <a:p>
+              <a:pPr marL="0" marR="0" lvl="0" indent="0" rtl="0">
+                <a:lnSpc>
+                  <a:spcPct val="100000"/>
+                </a:lnSpc>
+                <a:spcBef>
+                  <a:spcPts val="0"/>
+                </a:spcBef>
+                <a:spcAft>
+                  <a:spcPts val="0"/>
+                </a:spcAft>
+                <a:buClr>
+                  <a:srgbClr val="000000"/>
+                </a:buClr>
+                <a:buSzPts val="2133"/>
+                <a:buFont typeface="Arial"/>
+                <a:buNone/>
+              </a:pPr>
+              <a:r>
+                <a:rPr lang="es-ES" sz="2133" b="1" i="0" strike="noStrike" cap="none" dirty="0">
+                  <a:solidFill>
+                    <a:schemeClr val="dk1"/>
+                  </a:solidFill>
+                  <a:latin typeface="Calibri"/>
+                  <a:ea typeface="Calibri"/>
+                  <a:cs typeface="Calibri"/>
+                  <a:sym typeface="Calibri"/>
+                </a:rPr>
+                <a:t>modelos 2D y 3D.</a:t>
               </a:r>
               <a:endParaRPr sz="2133" b="1" i="0" strike="noStrike" cap="none" dirty="0">
                 <a:solidFill>
@@ -22320,7 +22385,7 @@
         <p:fade/>
       </p:transition>
     </mc:Choice>
-    <mc:Fallback xmlns:ahyp="http://schemas.microsoft.com/office/drawing/2018/hyperlinkcolor" xmlns:p15="http://schemas.microsoft.com/office/powerpoint/2012/main" xmlns:com="http://schemas.openxmlformats.org/drawingml/2006/compatibility" xmlns:pvml="urn:schemas-microsoft-com:office:powerpoint" xmlns:v="urn:schemas-microsoft-com:vml" xmlns:o="urn:schemas-microsoft-com:office:office" xmlns:dgm="http://schemas.openxmlformats.org/drawingml/2006/diagram" xmlns:c="http://schemas.openxmlformats.org/drawingml/2006/chart" xmlns:mv="urn:schemas-microsoft-com:mac:vml" xmlns="">
+    <mc:Fallback xmlns="" xmlns:mv="urn:schemas-microsoft-com:mac:vml" xmlns:c="http://schemas.openxmlformats.org/drawingml/2006/chart" xmlns:dgm="http://schemas.openxmlformats.org/drawingml/2006/diagram" xmlns:o="urn:schemas-microsoft-com:office:office" xmlns:v="urn:schemas-microsoft-com:vml" xmlns:pvml="urn:schemas-microsoft-com:office:powerpoint" xmlns:com="http://schemas.openxmlformats.org/drawingml/2006/compatibility" xmlns:p15="http://schemas.microsoft.com/office/powerpoint/2012/main" xmlns:ahyp="http://schemas.microsoft.com/office/drawing/2018/hyperlinkcolor">
       <p:transition spd="slow">
         <p:fade/>
       </p:transition>
@@ -22716,7 +22781,7 @@
         <p:fade/>
       </p:transition>
     </mc:Choice>
-    <mc:Fallback xmlns:ahyp="http://schemas.microsoft.com/office/drawing/2018/hyperlinkcolor" xmlns:p15="http://schemas.microsoft.com/office/powerpoint/2012/main" xmlns:com="http://schemas.openxmlformats.org/drawingml/2006/compatibility" xmlns:pvml="urn:schemas-microsoft-com:office:powerpoint" xmlns:v="urn:schemas-microsoft-com:vml" xmlns:o="urn:schemas-microsoft-com:office:office" xmlns:dgm="http://schemas.openxmlformats.org/drawingml/2006/diagram" xmlns:c="http://schemas.openxmlformats.org/drawingml/2006/chart" xmlns:mv="urn:schemas-microsoft-com:mac:vml" xmlns="">
+    <mc:Fallback xmlns="" xmlns:mv="urn:schemas-microsoft-com:mac:vml" xmlns:c="http://schemas.openxmlformats.org/drawingml/2006/chart" xmlns:dgm="http://schemas.openxmlformats.org/drawingml/2006/diagram" xmlns:o="urn:schemas-microsoft-com:office:office" xmlns:v="urn:schemas-microsoft-com:vml" xmlns:pvml="urn:schemas-microsoft-com:office:powerpoint" xmlns:com="http://schemas.openxmlformats.org/drawingml/2006/compatibility" xmlns:p15="http://schemas.microsoft.com/office/powerpoint/2012/main" xmlns:ahyp="http://schemas.microsoft.com/office/drawing/2018/hyperlinkcolor">
       <p:transition spd="slow">
         <p:fade/>
       </p:transition>
@@ -23257,7 +23322,7 @@
         <p:fade/>
       </p:transition>
     </mc:Choice>
-    <mc:Fallback xmlns:ahyp="http://schemas.microsoft.com/office/drawing/2018/hyperlinkcolor" xmlns:p15="http://schemas.microsoft.com/office/powerpoint/2012/main" xmlns:com="http://schemas.openxmlformats.org/drawingml/2006/compatibility" xmlns:pvml="urn:schemas-microsoft-com:office:powerpoint" xmlns:v="urn:schemas-microsoft-com:vml" xmlns:o="urn:schemas-microsoft-com:office:office" xmlns:dgm="http://schemas.openxmlformats.org/drawingml/2006/diagram" xmlns:c="http://schemas.openxmlformats.org/drawingml/2006/chart" xmlns:mv="urn:schemas-microsoft-com:mac:vml" xmlns="">
+    <mc:Fallback xmlns="" xmlns:mv="urn:schemas-microsoft-com:mac:vml" xmlns:c="http://schemas.openxmlformats.org/drawingml/2006/chart" xmlns:dgm="http://schemas.openxmlformats.org/drawingml/2006/diagram" xmlns:o="urn:schemas-microsoft-com:office:office" xmlns:v="urn:schemas-microsoft-com:vml" xmlns:pvml="urn:schemas-microsoft-com:office:powerpoint" xmlns:com="http://schemas.openxmlformats.org/drawingml/2006/compatibility" xmlns:p15="http://schemas.microsoft.com/office/powerpoint/2012/main" xmlns:ahyp="http://schemas.microsoft.com/office/drawing/2018/hyperlinkcolor">
       <p:transition spd="slow">
         <p:fade/>
       </p:transition>
